--- a/docs/diagrams/StorageComponentClassDiagram.pptx
+++ b/docs/diagrams/StorageComponentClassDiagram.pptx
@@ -192,7 +192,8 @@
           <a:p>
             <a:fld id="{F5CC4B3F-88C1-4FFA-B1B6-F41C21DC6924}" type="datetimeFigureOut">
               <a:rPr lang="en-US" smtClean="0"/>
-              <a:t>10/16/2016</a:t>
+              <a:pPr/>
+              <a:t>3/21/2018</a:t>
             </a:fld>
             <a:endParaRPr lang="en-US"/>
           </a:p>
@@ -351,6 +352,7 @@
           <a:p>
             <a:fld id="{5A7AB025-77E3-4BD1-A2FD-B3183DBA47A3}" type="slidenum">
               <a:rPr lang="en-US" smtClean="0"/>
+              <a:pPr/>
               <a:t>‹#›</a:t>
             </a:fld>
             <a:endParaRPr lang="en-US"/>
@@ -360,7 +362,7 @@
     </p:spTree>
     <p:extLst>
       <p:ext uri="{BB962C8B-B14F-4D97-AF65-F5344CB8AC3E}">
-        <p14:creationId xmlns:p14="http://schemas.microsoft.com/office/powerpoint/2010/main" val="2023976206"/>
+        <p14:creationId xmlns:p14="http://schemas.microsoft.com/office/powerpoint/2010/main" xmlns="" val="2023976206"/>
       </p:ext>
     </p:extLst>
   </p:cSld>
@@ -641,7 +643,8 @@
           <a:p>
             <a:fld id="{78C97017-6FC3-485B-9764-EAC9E56C1D49}" type="datetimeFigureOut">
               <a:rPr lang="en-US" smtClean="0"/>
-              <a:t>10/16/2016</a:t>
+              <a:pPr/>
+              <a:t>3/21/2018</a:t>
             </a:fld>
             <a:endParaRPr lang="en-US"/>
           </a:p>
@@ -683,6 +686,7 @@
           <a:p>
             <a:fld id="{FB34683C-161B-4520-BF45-B179E228CF2A}" type="slidenum">
               <a:rPr lang="en-US" smtClean="0"/>
+              <a:pPr/>
               <a:t>‹#›</a:t>
             </a:fld>
             <a:endParaRPr lang="en-US"/>
@@ -692,7 +696,7 @@
     </p:spTree>
     <p:extLst>
       <p:ext uri="{BB962C8B-B14F-4D97-AF65-F5344CB8AC3E}">
-        <p14:creationId xmlns:p14="http://schemas.microsoft.com/office/powerpoint/2010/main" val="3246593157"/>
+        <p14:creationId xmlns:p14="http://schemas.microsoft.com/office/powerpoint/2010/main" xmlns="" val="3246593157"/>
       </p:ext>
     </p:extLst>
   </p:cSld>
@@ -811,7 +815,8 @@
           <a:p>
             <a:fld id="{78C97017-6FC3-485B-9764-EAC9E56C1D49}" type="datetimeFigureOut">
               <a:rPr lang="en-US" smtClean="0"/>
-              <a:t>10/16/2016</a:t>
+              <a:pPr/>
+              <a:t>3/21/2018</a:t>
             </a:fld>
             <a:endParaRPr lang="en-US"/>
           </a:p>
@@ -853,6 +858,7 @@
           <a:p>
             <a:fld id="{FB34683C-161B-4520-BF45-B179E228CF2A}" type="slidenum">
               <a:rPr lang="en-US" smtClean="0"/>
+              <a:pPr/>
               <a:t>‹#›</a:t>
             </a:fld>
             <a:endParaRPr lang="en-US"/>
@@ -862,7 +868,7 @@
     </p:spTree>
     <p:extLst>
       <p:ext uri="{BB962C8B-B14F-4D97-AF65-F5344CB8AC3E}">
-        <p14:creationId xmlns:p14="http://schemas.microsoft.com/office/powerpoint/2010/main" val="2707025021"/>
+        <p14:creationId xmlns:p14="http://schemas.microsoft.com/office/powerpoint/2010/main" xmlns="" val="2707025021"/>
       </p:ext>
     </p:extLst>
   </p:cSld>
@@ -991,7 +997,8 @@
           <a:p>
             <a:fld id="{78C97017-6FC3-485B-9764-EAC9E56C1D49}" type="datetimeFigureOut">
               <a:rPr lang="en-US" smtClean="0"/>
-              <a:t>10/16/2016</a:t>
+              <a:pPr/>
+              <a:t>3/21/2018</a:t>
             </a:fld>
             <a:endParaRPr lang="en-US"/>
           </a:p>
@@ -1033,6 +1040,7 @@
           <a:p>
             <a:fld id="{FB34683C-161B-4520-BF45-B179E228CF2A}" type="slidenum">
               <a:rPr lang="en-US" smtClean="0"/>
+              <a:pPr/>
               <a:t>‹#›</a:t>
             </a:fld>
             <a:endParaRPr lang="en-US"/>
@@ -1042,7 +1050,7 @@
     </p:spTree>
     <p:extLst>
       <p:ext uri="{BB962C8B-B14F-4D97-AF65-F5344CB8AC3E}">
-        <p14:creationId xmlns:p14="http://schemas.microsoft.com/office/powerpoint/2010/main" val="568378986"/>
+        <p14:creationId xmlns:p14="http://schemas.microsoft.com/office/powerpoint/2010/main" xmlns="" val="568378986"/>
       </p:ext>
     </p:extLst>
   </p:cSld>
@@ -1161,7 +1169,8 @@
           <a:p>
             <a:fld id="{78C97017-6FC3-485B-9764-EAC9E56C1D49}" type="datetimeFigureOut">
               <a:rPr lang="en-US" smtClean="0"/>
-              <a:t>10/16/2016</a:t>
+              <a:pPr/>
+              <a:t>3/21/2018</a:t>
             </a:fld>
             <a:endParaRPr lang="en-US"/>
           </a:p>
@@ -1203,6 +1212,7 @@
           <a:p>
             <a:fld id="{FB34683C-161B-4520-BF45-B179E228CF2A}" type="slidenum">
               <a:rPr lang="en-US" smtClean="0"/>
+              <a:pPr/>
               <a:t>‹#›</a:t>
             </a:fld>
             <a:endParaRPr lang="en-US"/>
@@ -1212,7 +1222,7 @@
     </p:spTree>
     <p:extLst>
       <p:ext uri="{BB962C8B-B14F-4D97-AF65-F5344CB8AC3E}">
-        <p14:creationId xmlns:p14="http://schemas.microsoft.com/office/powerpoint/2010/main" val="266658052"/>
+        <p14:creationId xmlns:p14="http://schemas.microsoft.com/office/powerpoint/2010/main" xmlns="" val="266658052"/>
       </p:ext>
     </p:extLst>
   </p:cSld>
@@ -1407,7 +1417,8 @@
           <a:p>
             <a:fld id="{78C97017-6FC3-485B-9764-EAC9E56C1D49}" type="datetimeFigureOut">
               <a:rPr lang="en-US" smtClean="0"/>
-              <a:t>10/16/2016</a:t>
+              <a:pPr/>
+              <a:t>3/21/2018</a:t>
             </a:fld>
             <a:endParaRPr lang="en-US"/>
           </a:p>
@@ -1449,6 +1460,7 @@
           <a:p>
             <a:fld id="{FB34683C-161B-4520-BF45-B179E228CF2A}" type="slidenum">
               <a:rPr lang="en-US" smtClean="0"/>
+              <a:pPr/>
               <a:t>‹#›</a:t>
             </a:fld>
             <a:endParaRPr lang="en-US"/>
@@ -1458,7 +1470,7 @@
     </p:spTree>
     <p:extLst>
       <p:ext uri="{BB962C8B-B14F-4D97-AF65-F5344CB8AC3E}">
-        <p14:creationId xmlns:p14="http://schemas.microsoft.com/office/powerpoint/2010/main" val="474686344"/>
+        <p14:creationId xmlns:p14="http://schemas.microsoft.com/office/powerpoint/2010/main" xmlns="" val="474686344"/>
       </p:ext>
     </p:extLst>
   </p:cSld>
@@ -1695,7 +1707,8 @@
           <a:p>
             <a:fld id="{78C97017-6FC3-485B-9764-EAC9E56C1D49}" type="datetimeFigureOut">
               <a:rPr lang="en-US" smtClean="0"/>
-              <a:t>10/16/2016</a:t>
+              <a:pPr/>
+              <a:t>3/21/2018</a:t>
             </a:fld>
             <a:endParaRPr lang="en-US"/>
           </a:p>
@@ -1737,6 +1750,7 @@
           <a:p>
             <a:fld id="{FB34683C-161B-4520-BF45-B179E228CF2A}" type="slidenum">
               <a:rPr lang="en-US" smtClean="0"/>
+              <a:pPr/>
               <a:t>‹#›</a:t>
             </a:fld>
             <a:endParaRPr lang="en-US"/>
@@ -1746,7 +1760,7 @@
     </p:spTree>
     <p:extLst>
       <p:ext uri="{BB962C8B-B14F-4D97-AF65-F5344CB8AC3E}">
-        <p14:creationId xmlns:p14="http://schemas.microsoft.com/office/powerpoint/2010/main" val="562293251"/>
+        <p14:creationId xmlns:p14="http://schemas.microsoft.com/office/powerpoint/2010/main" xmlns="" val="562293251"/>
       </p:ext>
     </p:extLst>
   </p:cSld>
@@ -2117,7 +2131,8 @@
           <a:p>
             <a:fld id="{78C97017-6FC3-485B-9764-EAC9E56C1D49}" type="datetimeFigureOut">
               <a:rPr lang="en-US" smtClean="0"/>
-              <a:t>10/16/2016</a:t>
+              <a:pPr/>
+              <a:t>3/21/2018</a:t>
             </a:fld>
             <a:endParaRPr lang="en-US"/>
           </a:p>
@@ -2159,6 +2174,7 @@
           <a:p>
             <a:fld id="{FB34683C-161B-4520-BF45-B179E228CF2A}" type="slidenum">
               <a:rPr lang="en-US" smtClean="0"/>
+              <a:pPr/>
               <a:t>‹#›</a:t>
             </a:fld>
             <a:endParaRPr lang="en-US"/>
@@ -2168,7 +2184,7 @@
     </p:spTree>
     <p:extLst>
       <p:ext uri="{BB962C8B-B14F-4D97-AF65-F5344CB8AC3E}">
-        <p14:creationId xmlns:p14="http://schemas.microsoft.com/office/powerpoint/2010/main" val="1126424250"/>
+        <p14:creationId xmlns:p14="http://schemas.microsoft.com/office/powerpoint/2010/main" xmlns="" val="1126424250"/>
       </p:ext>
     </p:extLst>
   </p:cSld>
@@ -2235,7 +2251,8 @@
           <a:p>
             <a:fld id="{78C97017-6FC3-485B-9764-EAC9E56C1D49}" type="datetimeFigureOut">
               <a:rPr lang="en-US" smtClean="0"/>
-              <a:t>10/16/2016</a:t>
+              <a:pPr/>
+              <a:t>3/21/2018</a:t>
             </a:fld>
             <a:endParaRPr lang="en-US"/>
           </a:p>
@@ -2277,6 +2294,7 @@
           <a:p>
             <a:fld id="{FB34683C-161B-4520-BF45-B179E228CF2A}" type="slidenum">
               <a:rPr lang="en-US" smtClean="0"/>
+              <a:pPr/>
               <a:t>‹#›</a:t>
             </a:fld>
             <a:endParaRPr lang="en-US"/>
@@ -2286,7 +2304,7 @@
     </p:spTree>
     <p:extLst>
       <p:ext uri="{BB962C8B-B14F-4D97-AF65-F5344CB8AC3E}">
-        <p14:creationId xmlns:p14="http://schemas.microsoft.com/office/powerpoint/2010/main" val="4159724230"/>
+        <p14:creationId xmlns:p14="http://schemas.microsoft.com/office/powerpoint/2010/main" xmlns="" val="4159724230"/>
       </p:ext>
     </p:extLst>
   </p:cSld>
@@ -2330,7 +2348,8 @@
           <a:p>
             <a:fld id="{78C97017-6FC3-485B-9764-EAC9E56C1D49}" type="datetimeFigureOut">
               <a:rPr lang="en-US" smtClean="0"/>
-              <a:t>10/16/2016</a:t>
+              <a:pPr/>
+              <a:t>3/21/2018</a:t>
             </a:fld>
             <a:endParaRPr lang="en-US"/>
           </a:p>
@@ -2372,6 +2391,7 @@
           <a:p>
             <a:fld id="{FB34683C-161B-4520-BF45-B179E228CF2A}" type="slidenum">
               <a:rPr lang="en-US" smtClean="0"/>
+              <a:pPr/>
               <a:t>‹#›</a:t>
             </a:fld>
             <a:endParaRPr lang="en-US"/>
@@ -2381,7 +2401,7 @@
     </p:spTree>
     <p:extLst>
       <p:ext uri="{BB962C8B-B14F-4D97-AF65-F5344CB8AC3E}">
-        <p14:creationId xmlns:p14="http://schemas.microsoft.com/office/powerpoint/2010/main" val="1793928710"/>
+        <p14:creationId xmlns:p14="http://schemas.microsoft.com/office/powerpoint/2010/main" xmlns="" val="1793928710"/>
       </p:ext>
     </p:extLst>
   </p:cSld>
@@ -2607,7 +2627,8 @@
           <a:p>
             <a:fld id="{78C97017-6FC3-485B-9764-EAC9E56C1D49}" type="datetimeFigureOut">
               <a:rPr lang="en-US" smtClean="0"/>
-              <a:t>10/16/2016</a:t>
+              <a:pPr/>
+              <a:t>3/21/2018</a:t>
             </a:fld>
             <a:endParaRPr lang="en-US"/>
           </a:p>
@@ -2649,6 +2670,7 @@
           <a:p>
             <a:fld id="{FB34683C-161B-4520-BF45-B179E228CF2A}" type="slidenum">
               <a:rPr lang="en-US" smtClean="0"/>
+              <a:pPr/>
               <a:t>‹#›</a:t>
             </a:fld>
             <a:endParaRPr lang="en-US"/>
@@ -2658,7 +2680,7 @@
     </p:spTree>
     <p:extLst>
       <p:ext uri="{BB962C8B-B14F-4D97-AF65-F5344CB8AC3E}">
-        <p14:creationId xmlns:p14="http://schemas.microsoft.com/office/powerpoint/2010/main" val="2076802089"/>
+        <p14:creationId xmlns:p14="http://schemas.microsoft.com/office/powerpoint/2010/main" xmlns="" val="2076802089"/>
       </p:ext>
     </p:extLst>
   </p:cSld>
@@ -2860,7 +2882,8 @@
           <a:p>
             <a:fld id="{78C97017-6FC3-485B-9764-EAC9E56C1D49}" type="datetimeFigureOut">
               <a:rPr lang="en-US" smtClean="0"/>
-              <a:t>10/16/2016</a:t>
+              <a:pPr/>
+              <a:t>3/21/2018</a:t>
             </a:fld>
             <a:endParaRPr lang="en-US"/>
           </a:p>
@@ -2902,6 +2925,7 @@
           <a:p>
             <a:fld id="{FB34683C-161B-4520-BF45-B179E228CF2A}" type="slidenum">
               <a:rPr lang="en-US" smtClean="0"/>
+              <a:pPr/>
               <a:t>‹#›</a:t>
             </a:fld>
             <a:endParaRPr lang="en-US"/>
@@ -2911,7 +2935,7 @@
     </p:spTree>
     <p:extLst>
       <p:ext uri="{BB962C8B-B14F-4D97-AF65-F5344CB8AC3E}">
-        <p14:creationId xmlns:p14="http://schemas.microsoft.com/office/powerpoint/2010/main" val="201835938"/>
+        <p14:creationId xmlns:p14="http://schemas.microsoft.com/office/powerpoint/2010/main" xmlns="" val="201835938"/>
       </p:ext>
     </p:extLst>
   </p:cSld>
@@ -3073,7 +3097,8 @@
           <a:p>
             <a:fld id="{78C97017-6FC3-485B-9764-EAC9E56C1D49}" type="datetimeFigureOut">
               <a:rPr lang="en-US" smtClean="0"/>
-              <a:t>10/16/2016</a:t>
+              <a:pPr/>
+              <a:t>3/21/2018</a:t>
             </a:fld>
             <a:endParaRPr lang="en-US"/>
           </a:p>
@@ -3151,6 +3176,7 @@
           <a:p>
             <a:fld id="{FB34683C-161B-4520-BF45-B179E228CF2A}" type="slidenum">
               <a:rPr lang="en-US" smtClean="0"/>
+              <a:pPr/>
               <a:t>‹#›</a:t>
             </a:fld>
             <a:endParaRPr lang="en-US"/>
@@ -3160,7 +3186,7 @@
     </p:spTree>
     <p:extLst>
       <p:ext uri="{BB962C8B-B14F-4D97-AF65-F5344CB8AC3E}">
-        <p14:creationId xmlns:p14="http://schemas.microsoft.com/office/powerpoint/2010/main" val="2341400630"/>
+        <p14:creationId xmlns:p14="http://schemas.microsoft.com/office/powerpoint/2010/main" xmlns="" val="2341400630"/>
       </p:ext>
     </p:extLst>
   </p:cSld>
@@ -3456,8 +3482,8 @@
         </p:nvSpPr>
         <p:spPr>
           <a:xfrm>
-            <a:off x="1119865" y="2086382"/>
-            <a:ext cx="7871735" cy="1723618"/>
+            <a:off x="438374" y="2086382"/>
+            <a:ext cx="8324626" cy="2790418"/>
           </a:xfrm>
           <a:prstGeom prst="roundRect">
             <a:avLst>
@@ -3521,7 +3547,7 @@
         </p:nvSpPr>
         <p:spPr>
           <a:xfrm>
-            <a:off x="2877180" y="3158440"/>
+            <a:off x="2195689" y="3158440"/>
             <a:ext cx="1323049" cy="346760"/>
           </a:xfrm>
           <a:prstGeom prst="rect">
@@ -3599,7 +3625,7 @@
         </p:nvSpPr>
         <p:spPr>
           <a:xfrm rot="16200000">
-            <a:off x="1683963" y="2868687"/>
+            <a:off x="1002472" y="2868687"/>
             <a:ext cx="1093635" cy="346760"/>
           </a:xfrm>
           <a:prstGeom prst="rect">
@@ -3662,7 +3688,7 @@
         </p:nvSpPr>
         <p:spPr>
           <a:xfrm rot="16200000">
-            <a:off x="956202" y="2861202"/>
+            <a:off x="274711" y="2861202"/>
             <a:ext cx="1093635" cy="346760"/>
           </a:xfrm>
           <a:prstGeom prst="rect">
@@ -3736,7 +3762,7 @@
         </p:nvSpPr>
         <p:spPr>
           <a:xfrm rot="16200000">
-            <a:off x="1626910" y="2952291"/>
+            <a:off x="945419" y="2952291"/>
             <a:ext cx="270504" cy="175523"/>
           </a:xfrm>
           <a:prstGeom prst="triangle">
@@ -3794,7 +3820,7 @@
         </p:nvCxnSpPr>
         <p:spPr>
           <a:xfrm>
-            <a:off x="2656370" y="3326536"/>
+            <a:off x="1974879" y="3326536"/>
             <a:ext cx="220810" cy="5284"/>
           </a:xfrm>
           <a:prstGeom prst="straightConnector1">
@@ -3834,7 +3860,7 @@
         </p:nvCxnSpPr>
         <p:spPr>
           <a:xfrm>
-            <a:off x="910091" y="3040053"/>
+            <a:off x="228600" y="3040053"/>
             <a:ext cx="419548" cy="2860"/>
           </a:xfrm>
           <a:prstGeom prst="bentConnector3">
@@ -3879,7 +3905,7 @@
         </p:nvCxnSpPr>
         <p:spPr>
           <a:xfrm flipV="1">
-            <a:off x="1849924" y="3040052"/>
+            <a:off x="1168433" y="3040052"/>
             <a:ext cx="216105" cy="1"/>
           </a:xfrm>
           <a:prstGeom prst="line">
@@ -3920,7 +3946,7 @@
         </p:nvSpPr>
         <p:spPr>
           <a:xfrm>
-            <a:off x="2420322" y="3239846"/>
+            <a:off x="1738831" y="3239846"/>
             <a:ext cx="236048" cy="173380"/>
           </a:xfrm>
           <a:prstGeom prst="flowChartDecision">
@@ -3974,7 +4000,7 @@
         </p:nvCxnSpPr>
         <p:spPr>
           <a:xfrm flipV="1">
-            <a:off x="4398041" y="3331820"/>
+            <a:off x="3716550" y="3331820"/>
             <a:ext cx="223324" cy="1"/>
           </a:xfrm>
           <a:prstGeom prst="bentConnector3">
@@ -4017,7 +4043,7 @@
         </p:nvSpPr>
         <p:spPr>
           <a:xfrm rot="5400000" flipV="1">
-            <a:off x="4175027" y="3244059"/>
+            <a:off x="3493536" y="3244059"/>
             <a:ext cx="270504" cy="175523"/>
           </a:xfrm>
           <a:prstGeom prst="triangle">
@@ -4075,7 +4101,7 @@
         </p:nvCxnSpPr>
         <p:spPr>
           <a:xfrm>
-            <a:off x="5791200" y="3331820"/>
+            <a:off x="5109709" y="3331820"/>
             <a:ext cx="228600" cy="1970"/>
           </a:xfrm>
           <a:prstGeom prst="bentConnector3">
@@ -4118,7 +4144,7 @@
         </p:nvSpPr>
         <p:spPr>
           <a:xfrm>
-            <a:off x="4621365" y="3158440"/>
+            <a:off x="3939874" y="3158440"/>
             <a:ext cx="1169835" cy="346760"/>
           </a:xfrm>
           <a:prstGeom prst="rect">
@@ -4203,7 +4229,7 @@
         </p:nvSpPr>
         <p:spPr>
           <a:xfrm>
-            <a:off x="2873943" y="2558040"/>
+            <a:off x="2192452" y="2558040"/>
             <a:ext cx="1323049" cy="346760"/>
           </a:xfrm>
           <a:prstGeom prst="rect">
@@ -4284,7 +4310,7 @@
         </p:nvCxnSpPr>
         <p:spPr>
           <a:xfrm>
-            <a:off x="2653133" y="2726136"/>
+            <a:off x="1971642" y="2726136"/>
             <a:ext cx="220810" cy="5284"/>
           </a:xfrm>
           <a:prstGeom prst="straightConnector1">
@@ -4324,7 +4350,7 @@
         </p:nvSpPr>
         <p:spPr>
           <a:xfrm>
-            <a:off x="2417085" y="2639446"/>
+            <a:off x="1735594" y="2639446"/>
             <a:ext cx="236048" cy="173380"/>
           </a:xfrm>
           <a:prstGeom prst="flowChartDecision">
@@ -4378,7 +4404,7 @@
         </p:nvCxnSpPr>
         <p:spPr>
           <a:xfrm flipV="1">
-            <a:off x="4394804" y="2731420"/>
+            <a:off x="3713313" y="2731420"/>
             <a:ext cx="223324" cy="1"/>
           </a:xfrm>
           <a:prstGeom prst="bentConnector3">
@@ -4421,7 +4447,7 @@
         </p:nvSpPr>
         <p:spPr>
           <a:xfrm rot="5400000" flipV="1">
-            <a:off x="4171790" y="2643659"/>
+            <a:off x="3490299" y="2643659"/>
             <a:ext cx="270504" cy="175523"/>
           </a:xfrm>
           <a:prstGeom prst="triangle">
@@ -4476,7 +4502,7 @@
         </p:nvSpPr>
         <p:spPr>
           <a:xfrm>
-            <a:off x="4618128" y="2558040"/>
+            <a:off x="3936637" y="2558040"/>
             <a:ext cx="1093635" cy="346760"/>
           </a:xfrm>
           <a:prstGeom prst="rect">
@@ -4562,7 +4588,7 @@
         </p:nvSpPr>
         <p:spPr>
           <a:xfrm>
-            <a:off x="6019800" y="3160410"/>
+            <a:off x="5338309" y="3160410"/>
             <a:ext cx="1200707" cy="346760"/>
           </a:xfrm>
           <a:prstGeom prst="rect">
@@ -4639,19 +4665,131 @@
           </a:p>
         </p:txBody>
       </p:sp>
+      <p:sp>
+        <p:nvSpPr>
+          <p:cNvPr id="73" name="Rectangle 8"/>
+          <p:cNvSpPr/>
+          <p:nvPr/>
+        </p:nvSpPr>
+        <p:spPr>
+          <a:xfrm>
+            <a:off x="6934246" y="2477656"/>
+            <a:ext cx="1676353" cy="346760"/>
+          </a:xfrm>
+          <a:prstGeom prst="rect">
+            <a:avLst/>
+          </a:prstGeom>
+          <a:ln w="19050"/>
+          <a:effectLst/>
+        </p:spPr>
+        <p:style>
+          <a:lnRef idx="1">
+            <a:schemeClr val="accent6"/>
+          </a:lnRef>
+          <a:fillRef idx="2">
+            <a:schemeClr val="accent6"/>
+          </a:fillRef>
+          <a:effectRef idx="1">
+            <a:schemeClr val="accent6"/>
+          </a:effectRef>
+          <a:fontRef idx="minor">
+            <a:schemeClr val="dk1"/>
+          </a:fontRef>
+        </p:style>
+        <p:txBody>
+          <a:bodyPr rtlCol="0" anchor="ctr"/>
+          <a:lstStyle/>
+          <a:p>
+            <a:pPr algn="ctr"/>
+            <a:r>
+              <a:rPr lang="en-US" sz="1050" b="1" dirty="0" err="1" smtClean="0">
+                <a:solidFill>
+                  <a:schemeClr val="accent6">
+                    <a:lumMod val="75000"/>
+                  </a:schemeClr>
+                </a:solidFill>
+              </a:rPr>
+              <a:t>XmlAdaptedTag</a:t>
+            </a:r>
+            <a:endParaRPr lang="en-SG" sz="1050" b="1" dirty="0">
+              <a:solidFill>
+                <a:schemeClr val="accent6">
+                  <a:lumMod val="75000"/>
+                </a:schemeClr>
+              </a:solidFill>
+            </a:endParaRPr>
+          </a:p>
+        </p:txBody>
+      </p:sp>
+      <p:sp>
+        <p:nvSpPr>
+          <p:cNvPr id="74" name="Rectangle 8"/>
+          <p:cNvSpPr/>
+          <p:nvPr/>
+        </p:nvSpPr>
+        <p:spPr>
+          <a:xfrm>
+            <a:off x="6934246" y="3159624"/>
+            <a:ext cx="1676353" cy="346760"/>
+          </a:xfrm>
+          <a:prstGeom prst="rect">
+            <a:avLst/>
+          </a:prstGeom>
+          <a:ln w="19050"/>
+          <a:effectLst/>
+        </p:spPr>
+        <p:style>
+          <a:lnRef idx="1">
+            <a:schemeClr val="accent6"/>
+          </a:lnRef>
+          <a:fillRef idx="2">
+            <a:schemeClr val="accent6"/>
+          </a:fillRef>
+          <a:effectRef idx="1">
+            <a:schemeClr val="accent6"/>
+          </a:effectRef>
+          <a:fontRef idx="minor">
+            <a:schemeClr val="dk1"/>
+          </a:fontRef>
+        </p:style>
+        <p:txBody>
+          <a:bodyPr rtlCol="0" anchor="ctr"/>
+          <a:lstStyle/>
+          <a:p>
+            <a:pPr algn="ctr"/>
+            <a:r>
+              <a:rPr lang="en-US" sz="1050" b="1" dirty="0" err="1" smtClean="0">
+                <a:solidFill>
+                  <a:schemeClr val="accent6">
+                    <a:lumMod val="75000"/>
+                  </a:schemeClr>
+                </a:solidFill>
+              </a:rPr>
+              <a:t>XmlAdaptedPerson</a:t>
+            </a:r>
+            <a:endParaRPr lang="en-SG" sz="1050" b="1" dirty="0">
+              <a:solidFill>
+                <a:schemeClr val="accent6">
+                  <a:lumMod val="75000"/>
+                </a:schemeClr>
+              </a:solidFill>
+            </a:endParaRPr>
+          </a:p>
+        </p:txBody>
+      </p:sp>
       <p:cxnSp>
         <p:nvCxnSpPr>
-          <p:cNvPr id="70" name="Elbow Connector 122"/>
+          <p:cNvPr id="77" name="Elbow Connector 122"/>
           <p:cNvCxnSpPr>
-            <a:stCxn id="74" idx="0"/>
-            <a:endCxn id="73" idx="2"/>
+            <a:stCxn id="66" idx="3"/>
+            <a:endCxn id="74" idx="1"/>
           </p:cNvCxnSpPr>
           <p:nvPr/>
         </p:nvCxnSpPr>
         <p:spPr>
-          <a:xfrm rot="5400000" flipH="1" flipV="1">
-            <a:off x="8077993" y="2992020"/>
-            <a:ext cx="335208" cy="12700"/>
+          <a:xfrm flipV="1">
+            <a:off x="6539016" y="3333004"/>
+            <a:ext cx="395230" cy="786"/>
           </a:xfrm>
           <a:prstGeom prst="bentConnector3">
             <a:avLst>
@@ -4680,16 +4818,89 @@
           </a:fontRef>
         </p:style>
       </p:cxnSp>
-      <p:sp>
-        <p:nvSpPr>
-          <p:cNvPr id="73" name="Rectangle 8"/>
+      <p:cxnSp>
+        <p:nvCxnSpPr>
+          <p:cNvPr id="27" name="Straight Connector 26"/>
+          <p:cNvCxnSpPr/>
+          <p:nvPr/>
+        </p:nvCxnSpPr>
+        <p:spPr>
+          <a:xfrm>
+            <a:off x="5943600" y="3505200"/>
+            <a:ext cx="0" cy="360000"/>
+          </a:xfrm>
+          <a:prstGeom prst="line">
+            <a:avLst/>
+          </a:prstGeom>
+          <a:ln w="19050">
+            <a:solidFill>
+              <a:srgbClr val="F69240"/>
+            </a:solidFill>
+            <a:prstDash val="sysDot"/>
+          </a:ln>
+        </p:spPr>
+        <p:style>
+          <a:lnRef idx="1">
+            <a:schemeClr val="accent1"/>
+          </a:lnRef>
+          <a:fillRef idx="0">
+            <a:schemeClr val="accent1"/>
+          </a:fillRef>
+          <a:effectRef idx="0">
+            <a:schemeClr val="accent1"/>
+          </a:effectRef>
+          <a:fontRef idx="minor">
+            <a:schemeClr val="tx1"/>
+          </a:fontRef>
+        </p:style>
+      </p:cxnSp>
+      <p:cxnSp>
+        <p:nvCxnSpPr>
+          <p:cNvPr id="29" name="Straight Arrow Connector 28"/>
+          <p:cNvCxnSpPr/>
+          <p:nvPr/>
+        </p:nvCxnSpPr>
+        <p:spPr>
+          <a:xfrm>
+            <a:off x="5943600" y="3886200"/>
+            <a:ext cx="990600" cy="0"/>
+          </a:xfrm>
+          <a:prstGeom prst="straightConnector1">
+            <a:avLst/>
+          </a:prstGeom>
+          <a:ln w="19050">
+            <a:solidFill>
+              <a:srgbClr val="F69240"/>
+            </a:solidFill>
+            <a:prstDash val="sysDot"/>
+            <a:tailEnd type="arrow"/>
+          </a:ln>
+        </p:spPr>
+        <p:style>
+          <a:lnRef idx="1">
+            <a:schemeClr val="accent1"/>
+          </a:lnRef>
+          <a:fillRef idx="0">
+            <a:schemeClr val="accent1"/>
+          </a:fillRef>
+          <a:effectRef idx="0">
+            <a:schemeClr val="accent1"/>
+          </a:effectRef>
+          <a:fontRef idx="minor">
+            <a:schemeClr val="tx1"/>
+          </a:fontRef>
+        </p:style>
+      </p:cxnSp>
+      <p:sp>
+        <p:nvSpPr>
+          <p:cNvPr id="30" name="Rectangle 8"/>
           <p:cNvSpPr/>
           <p:nvPr/>
         </p:nvSpPr>
         <p:spPr>
           <a:xfrm>
-            <a:off x="7615738" y="2477656"/>
-            <a:ext cx="1259718" cy="346760"/>
+            <a:off x="6934200" y="3691840"/>
+            <a:ext cx="1676400" cy="346760"/>
           </a:xfrm>
           <a:prstGeom prst="rect">
             <a:avLst/>
@@ -4724,7 +4935,7 @@
                   </a:schemeClr>
                 </a:solidFill>
               </a:rPr>
-              <a:t>XmlAdaptedTag</a:t>
+              <a:t>XmlAdaptedTask</a:t>
             </a:r>
             <a:endParaRPr lang="en-SG" sz="1050" b="1" dirty="0">
               <a:solidFill>
@@ -4738,14 +4949,14 @@
       </p:sp>
       <p:sp>
         <p:nvSpPr>
-          <p:cNvPr id="74" name="Rectangle 8"/>
+          <p:cNvPr id="31" name="Rectangle 8"/>
           <p:cNvSpPr/>
           <p:nvPr/>
         </p:nvSpPr>
         <p:spPr>
           <a:xfrm>
-            <a:off x="7615738" y="3159624"/>
-            <a:ext cx="1259718" cy="346760"/>
+            <a:off x="6934200" y="4343400"/>
+            <a:ext cx="1676400" cy="346760"/>
           </a:xfrm>
           <a:prstGeom prst="rect">
             <a:avLst/>
@@ -4780,7 +4991,7 @@
                   </a:schemeClr>
                 </a:solidFill>
               </a:rPr>
-              <a:t>XmlAdaptedPerson</a:t>
+              <a:t>XmlAdaptedTaskCategory</a:t>
             </a:r>
             <a:endParaRPr lang="en-SG" sz="1050" b="1" dirty="0">
               <a:solidFill>
@@ -4794,49 +5005,82 @@
       </p:sp>
       <p:cxnSp>
         <p:nvCxnSpPr>
-          <p:cNvPr id="77" name="Elbow Connector 122"/>
-          <p:cNvCxnSpPr>
-            <a:stCxn id="66" idx="3"/>
-            <a:endCxn id="74" idx="1"/>
-          </p:cNvCxnSpPr>
+          <p:cNvPr id="33" name="Straight Arrow Connector 32"/>
+          <p:cNvCxnSpPr/>
           <p:nvPr/>
         </p:nvCxnSpPr>
         <p:spPr>
-          <a:xfrm flipV="1">
-            <a:off x="7220507" y="3333004"/>
-            <a:ext cx="395231" cy="786"/>
-          </a:xfrm>
-          <a:prstGeom prst="bentConnector3">
-            <a:avLst>
-              <a:gd name="adj1" fmla="val 50000"/>
-            </a:avLst>
+          <a:xfrm>
+            <a:off x="7772400" y="4038600"/>
+            <a:ext cx="0" cy="304800"/>
+          </a:xfrm>
+          <a:prstGeom prst="straightConnector1">
+            <a:avLst/>
           </a:prstGeom>
           <a:ln w="19050">
+            <a:solidFill>
+              <a:srgbClr val="F69240"/>
+            </a:solidFill>
             <a:prstDash val="sysDot"/>
-            <a:headEnd type="none" w="med" len="med"/>
-            <a:tailEnd type="arrow" w="med" len="med"/>
+            <a:tailEnd type="arrow"/>
           </a:ln>
-          <a:effectLst/>
         </p:spPr>
         <p:style>
           <a:lnRef idx="1">
-            <a:schemeClr val="accent6"/>
+            <a:schemeClr val="accent1"/>
           </a:lnRef>
-          <a:fillRef idx="2">
-            <a:schemeClr val="accent6"/>
+          <a:fillRef idx="0">
+            <a:schemeClr val="accent1"/>
           </a:fillRef>
-          <a:effectRef idx="1">
-            <a:schemeClr val="accent6"/>
+          <a:effectRef idx="0">
+            <a:schemeClr val="accent1"/>
           </a:effectRef>
           <a:fontRef idx="minor">
-            <a:schemeClr val="dk1"/>
+            <a:schemeClr val="tx1"/>
+          </a:fontRef>
+        </p:style>
+      </p:cxnSp>
+      <p:cxnSp>
+        <p:nvCxnSpPr>
+          <p:cNvPr id="35" name="Straight Arrow Connector 34"/>
+          <p:cNvCxnSpPr/>
+          <p:nvPr/>
+        </p:nvCxnSpPr>
+        <p:spPr>
+          <a:xfrm flipH="1" flipV="1">
+            <a:off x="7772377" y="2819400"/>
+            <a:ext cx="23" cy="340224"/>
+          </a:xfrm>
+          <a:prstGeom prst="straightConnector1">
+            <a:avLst/>
+          </a:prstGeom>
+          <a:ln w="19050">
+            <a:solidFill>
+              <a:srgbClr val="F69240"/>
+            </a:solidFill>
+            <a:prstDash val="sysDot"/>
+            <a:tailEnd type="arrow"/>
+          </a:ln>
+        </p:spPr>
+        <p:style>
+          <a:lnRef idx="1">
+            <a:schemeClr val="accent1"/>
+          </a:lnRef>
+          <a:fillRef idx="0">
+            <a:schemeClr val="accent1"/>
+          </a:fillRef>
+          <a:effectRef idx="0">
+            <a:schemeClr val="accent1"/>
+          </a:effectRef>
+          <a:fontRef idx="minor">
+            <a:schemeClr val="tx1"/>
           </a:fontRef>
         </p:style>
       </p:cxnSp>
     </p:spTree>
     <p:extLst>
       <p:ext uri="{BB962C8B-B14F-4D97-AF65-F5344CB8AC3E}">
-        <p14:creationId xmlns:p14="http://schemas.microsoft.com/office/powerpoint/2010/main" val="1478832369"/>
+        <p14:creationId xmlns:p14="http://schemas.microsoft.com/office/powerpoint/2010/main" xmlns="" val="1478832369"/>
       </p:ext>
     </p:extLst>
   </p:cSld>

--- a/docs/diagrams/StorageComponentClassDiagram.pptx
+++ b/docs/diagrams/StorageComponentClassDiagram.pptx
@@ -193,7 +193,7 @@
             <a:fld id="{F5CC4B3F-88C1-4FFA-B1B6-F41C21DC6924}" type="datetimeFigureOut">
               <a:rPr lang="en-US" smtClean="0"/>
               <a:pPr/>
-              <a:t>3/21/2018</a:t>
+              <a:t>4/14/2018</a:t>
             </a:fld>
             <a:endParaRPr lang="en-US"/>
           </a:p>
@@ -362,7 +362,7 @@
     </p:spTree>
     <p:extLst>
       <p:ext uri="{BB962C8B-B14F-4D97-AF65-F5344CB8AC3E}">
-        <p14:creationId xmlns:p14="http://schemas.microsoft.com/office/powerpoint/2010/main" xmlns="" val="2023976206"/>
+        <p14:creationId xmlns="" xmlns:p14="http://schemas.microsoft.com/office/powerpoint/2010/main" val="2023976206"/>
       </p:ext>
     </p:extLst>
   </p:cSld>
@@ -462,6 +462,88 @@
 </p:notesMaster>
 </file>
 
+<file path=ppt/notesSlides/notesSlide1.xml><?xml version="1.0" encoding="utf-8"?>
+<p:notes xmlns:a="http://schemas.openxmlformats.org/drawingml/2006/main" xmlns:r="http://schemas.openxmlformats.org/officeDocument/2006/relationships" xmlns:p="http://schemas.openxmlformats.org/presentationml/2006/main">
+  <p:cSld>
+    <p:spTree>
+      <p:nvGrpSpPr>
+        <p:cNvPr id="1" name=""/>
+        <p:cNvGrpSpPr/>
+        <p:nvPr/>
+      </p:nvGrpSpPr>
+      <p:grpSpPr>
+        <a:xfrm>
+          <a:off x="0" y="0"/>
+          <a:ext cx="0" cy="0"/>
+          <a:chOff x="0" y="0"/>
+          <a:chExt cx="0" cy="0"/>
+        </a:xfrm>
+      </p:grpSpPr>
+      <p:sp>
+        <p:nvSpPr>
+          <p:cNvPr id="2" name="Slide Image Placeholder 1"/>
+          <p:cNvSpPr>
+            <a:spLocks noGrp="1" noRot="1" noChangeAspect="1"/>
+          </p:cNvSpPr>
+          <p:nvPr>
+            <p:ph type="sldImg"/>
+          </p:nvPr>
+        </p:nvSpPr>
+        <p:spPr/>
+      </p:sp>
+      <p:sp>
+        <p:nvSpPr>
+          <p:cNvPr id="3" name="Notes Placeholder 2"/>
+          <p:cNvSpPr>
+            <a:spLocks noGrp="1"/>
+          </p:cNvSpPr>
+          <p:nvPr>
+            <p:ph type="body" idx="1"/>
+          </p:nvPr>
+        </p:nvSpPr>
+        <p:spPr/>
+        <p:txBody>
+          <a:bodyPr>
+            <a:normAutofit/>
+          </a:bodyPr>
+          <a:lstStyle/>
+          <a:p>
+            <a:endParaRPr lang="en-SG" dirty="0"/>
+          </a:p>
+        </p:txBody>
+      </p:sp>
+      <p:sp>
+        <p:nvSpPr>
+          <p:cNvPr id="4" name="Slide Number Placeholder 3"/>
+          <p:cNvSpPr>
+            <a:spLocks noGrp="1"/>
+          </p:cNvSpPr>
+          <p:nvPr>
+            <p:ph type="sldNum" sz="quarter" idx="10"/>
+          </p:nvPr>
+        </p:nvSpPr>
+        <p:spPr/>
+        <p:txBody>
+          <a:bodyPr/>
+          <a:lstStyle/>
+          <a:p>
+            <a:fld id="{5A7AB025-77E3-4BD1-A2FD-B3183DBA47A3}" type="slidenum">
+              <a:rPr lang="en-US" smtClean="0"/>
+              <a:pPr/>
+              <a:t>1</a:t>
+            </a:fld>
+            <a:endParaRPr lang="en-US"/>
+          </a:p>
+        </p:txBody>
+      </p:sp>
+    </p:spTree>
+  </p:cSld>
+  <p:clrMapOvr>
+    <a:masterClrMapping/>
+  </p:clrMapOvr>
+</p:notes>
+</file>
+
 <file path=ppt/slideLayouts/slideLayout1.xml><?xml version="1.0" encoding="utf-8"?>
 <p:sldLayout xmlns:a="http://schemas.openxmlformats.org/drawingml/2006/main" xmlns:r="http://schemas.openxmlformats.org/officeDocument/2006/relationships" xmlns:p="http://schemas.openxmlformats.org/presentationml/2006/main" type="title" preserve="1">
   <p:cSld name="Title Slide">
@@ -644,7 +726,7 @@
             <a:fld id="{78C97017-6FC3-485B-9764-EAC9E56C1D49}" type="datetimeFigureOut">
               <a:rPr lang="en-US" smtClean="0"/>
               <a:pPr/>
-              <a:t>3/21/2018</a:t>
+              <a:t>4/14/2018</a:t>
             </a:fld>
             <a:endParaRPr lang="en-US"/>
           </a:p>
@@ -696,7 +778,7 @@
     </p:spTree>
     <p:extLst>
       <p:ext uri="{BB962C8B-B14F-4D97-AF65-F5344CB8AC3E}">
-        <p14:creationId xmlns:p14="http://schemas.microsoft.com/office/powerpoint/2010/main" xmlns="" val="3246593157"/>
+        <p14:creationId xmlns="" xmlns:p14="http://schemas.microsoft.com/office/powerpoint/2010/main" val="3246593157"/>
       </p:ext>
     </p:extLst>
   </p:cSld>
@@ -816,7 +898,7 @@
             <a:fld id="{78C97017-6FC3-485B-9764-EAC9E56C1D49}" type="datetimeFigureOut">
               <a:rPr lang="en-US" smtClean="0"/>
               <a:pPr/>
-              <a:t>3/21/2018</a:t>
+              <a:t>4/14/2018</a:t>
             </a:fld>
             <a:endParaRPr lang="en-US"/>
           </a:p>
@@ -868,7 +950,7 @@
     </p:spTree>
     <p:extLst>
       <p:ext uri="{BB962C8B-B14F-4D97-AF65-F5344CB8AC3E}">
-        <p14:creationId xmlns:p14="http://schemas.microsoft.com/office/powerpoint/2010/main" xmlns="" val="2707025021"/>
+        <p14:creationId xmlns="" xmlns:p14="http://schemas.microsoft.com/office/powerpoint/2010/main" val="2707025021"/>
       </p:ext>
     </p:extLst>
   </p:cSld>
@@ -998,7 +1080,7 @@
             <a:fld id="{78C97017-6FC3-485B-9764-EAC9E56C1D49}" type="datetimeFigureOut">
               <a:rPr lang="en-US" smtClean="0"/>
               <a:pPr/>
-              <a:t>3/21/2018</a:t>
+              <a:t>4/14/2018</a:t>
             </a:fld>
             <a:endParaRPr lang="en-US"/>
           </a:p>
@@ -1050,7 +1132,7 @@
     </p:spTree>
     <p:extLst>
       <p:ext uri="{BB962C8B-B14F-4D97-AF65-F5344CB8AC3E}">
-        <p14:creationId xmlns:p14="http://schemas.microsoft.com/office/powerpoint/2010/main" xmlns="" val="568378986"/>
+        <p14:creationId xmlns="" xmlns:p14="http://schemas.microsoft.com/office/powerpoint/2010/main" val="568378986"/>
       </p:ext>
     </p:extLst>
   </p:cSld>
@@ -1170,7 +1252,7 @@
             <a:fld id="{78C97017-6FC3-485B-9764-EAC9E56C1D49}" type="datetimeFigureOut">
               <a:rPr lang="en-US" smtClean="0"/>
               <a:pPr/>
-              <a:t>3/21/2018</a:t>
+              <a:t>4/14/2018</a:t>
             </a:fld>
             <a:endParaRPr lang="en-US"/>
           </a:p>
@@ -1222,7 +1304,7 @@
     </p:spTree>
     <p:extLst>
       <p:ext uri="{BB962C8B-B14F-4D97-AF65-F5344CB8AC3E}">
-        <p14:creationId xmlns:p14="http://schemas.microsoft.com/office/powerpoint/2010/main" xmlns="" val="266658052"/>
+        <p14:creationId xmlns="" xmlns:p14="http://schemas.microsoft.com/office/powerpoint/2010/main" val="266658052"/>
       </p:ext>
     </p:extLst>
   </p:cSld>
@@ -1418,7 +1500,7 @@
             <a:fld id="{78C97017-6FC3-485B-9764-EAC9E56C1D49}" type="datetimeFigureOut">
               <a:rPr lang="en-US" smtClean="0"/>
               <a:pPr/>
-              <a:t>3/21/2018</a:t>
+              <a:t>4/14/2018</a:t>
             </a:fld>
             <a:endParaRPr lang="en-US"/>
           </a:p>
@@ -1470,7 +1552,7 @@
     </p:spTree>
     <p:extLst>
       <p:ext uri="{BB962C8B-B14F-4D97-AF65-F5344CB8AC3E}">
-        <p14:creationId xmlns:p14="http://schemas.microsoft.com/office/powerpoint/2010/main" xmlns="" val="474686344"/>
+        <p14:creationId xmlns="" xmlns:p14="http://schemas.microsoft.com/office/powerpoint/2010/main" val="474686344"/>
       </p:ext>
     </p:extLst>
   </p:cSld>
@@ -1708,7 +1790,7 @@
             <a:fld id="{78C97017-6FC3-485B-9764-EAC9E56C1D49}" type="datetimeFigureOut">
               <a:rPr lang="en-US" smtClean="0"/>
               <a:pPr/>
-              <a:t>3/21/2018</a:t>
+              <a:t>4/14/2018</a:t>
             </a:fld>
             <a:endParaRPr lang="en-US"/>
           </a:p>
@@ -1760,7 +1842,7 @@
     </p:spTree>
     <p:extLst>
       <p:ext uri="{BB962C8B-B14F-4D97-AF65-F5344CB8AC3E}">
-        <p14:creationId xmlns:p14="http://schemas.microsoft.com/office/powerpoint/2010/main" xmlns="" val="562293251"/>
+        <p14:creationId xmlns="" xmlns:p14="http://schemas.microsoft.com/office/powerpoint/2010/main" val="562293251"/>
       </p:ext>
     </p:extLst>
   </p:cSld>
@@ -2132,7 +2214,7 @@
             <a:fld id="{78C97017-6FC3-485B-9764-EAC9E56C1D49}" type="datetimeFigureOut">
               <a:rPr lang="en-US" smtClean="0"/>
               <a:pPr/>
-              <a:t>3/21/2018</a:t>
+              <a:t>4/14/2018</a:t>
             </a:fld>
             <a:endParaRPr lang="en-US"/>
           </a:p>
@@ -2184,7 +2266,7 @@
     </p:spTree>
     <p:extLst>
       <p:ext uri="{BB962C8B-B14F-4D97-AF65-F5344CB8AC3E}">
-        <p14:creationId xmlns:p14="http://schemas.microsoft.com/office/powerpoint/2010/main" xmlns="" val="1126424250"/>
+        <p14:creationId xmlns="" xmlns:p14="http://schemas.microsoft.com/office/powerpoint/2010/main" val="1126424250"/>
       </p:ext>
     </p:extLst>
   </p:cSld>
@@ -2252,7 +2334,7 @@
             <a:fld id="{78C97017-6FC3-485B-9764-EAC9E56C1D49}" type="datetimeFigureOut">
               <a:rPr lang="en-US" smtClean="0"/>
               <a:pPr/>
-              <a:t>3/21/2018</a:t>
+              <a:t>4/14/2018</a:t>
             </a:fld>
             <a:endParaRPr lang="en-US"/>
           </a:p>
@@ -2304,7 +2386,7 @@
     </p:spTree>
     <p:extLst>
       <p:ext uri="{BB962C8B-B14F-4D97-AF65-F5344CB8AC3E}">
-        <p14:creationId xmlns:p14="http://schemas.microsoft.com/office/powerpoint/2010/main" xmlns="" val="4159724230"/>
+        <p14:creationId xmlns="" xmlns:p14="http://schemas.microsoft.com/office/powerpoint/2010/main" val="4159724230"/>
       </p:ext>
     </p:extLst>
   </p:cSld>
@@ -2349,7 +2431,7 @@
             <a:fld id="{78C97017-6FC3-485B-9764-EAC9E56C1D49}" type="datetimeFigureOut">
               <a:rPr lang="en-US" smtClean="0"/>
               <a:pPr/>
-              <a:t>3/21/2018</a:t>
+              <a:t>4/14/2018</a:t>
             </a:fld>
             <a:endParaRPr lang="en-US"/>
           </a:p>
@@ -2401,7 +2483,7 @@
     </p:spTree>
     <p:extLst>
       <p:ext uri="{BB962C8B-B14F-4D97-AF65-F5344CB8AC3E}">
-        <p14:creationId xmlns:p14="http://schemas.microsoft.com/office/powerpoint/2010/main" xmlns="" val="1793928710"/>
+        <p14:creationId xmlns="" xmlns:p14="http://schemas.microsoft.com/office/powerpoint/2010/main" val="1793928710"/>
       </p:ext>
     </p:extLst>
   </p:cSld>
@@ -2628,7 +2710,7 @@
             <a:fld id="{78C97017-6FC3-485B-9764-EAC9E56C1D49}" type="datetimeFigureOut">
               <a:rPr lang="en-US" smtClean="0"/>
               <a:pPr/>
-              <a:t>3/21/2018</a:t>
+              <a:t>4/14/2018</a:t>
             </a:fld>
             <a:endParaRPr lang="en-US"/>
           </a:p>
@@ -2680,7 +2762,7 @@
     </p:spTree>
     <p:extLst>
       <p:ext uri="{BB962C8B-B14F-4D97-AF65-F5344CB8AC3E}">
-        <p14:creationId xmlns:p14="http://schemas.microsoft.com/office/powerpoint/2010/main" xmlns="" val="2076802089"/>
+        <p14:creationId xmlns="" xmlns:p14="http://schemas.microsoft.com/office/powerpoint/2010/main" val="2076802089"/>
       </p:ext>
     </p:extLst>
   </p:cSld>
@@ -2883,7 +2965,7 @@
             <a:fld id="{78C97017-6FC3-485B-9764-EAC9E56C1D49}" type="datetimeFigureOut">
               <a:rPr lang="en-US" smtClean="0"/>
               <a:pPr/>
-              <a:t>3/21/2018</a:t>
+              <a:t>4/14/2018</a:t>
             </a:fld>
             <a:endParaRPr lang="en-US"/>
           </a:p>
@@ -2935,7 +3017,7 @@
     </p:spTree>
     <p:extLst>
       <p:ext uri="{BB962C8B-B14F-4D97-AF65-F5344CB8AC3E}">
-        <p14:creationId xmlns:p14="http://schemas.microsoft.com/office/powerpoint/2010/main" xmlns="" val="201835938"/>
+        <p14:creationId xmlns="" xmlns:p14="http://schemas.microsoft.com/office/powerpoint/2010/main" val="201835938"/>
       </p:ext>
     </p:extLst>
   </p:cSld>
@@ -3098,7 +3180,7 @@
             <a:fld id="{78C97017-6FC3-485B-9764-EAC9E56C1D49}" type="datetimeFigureOut">
               <a:rPr lang="en-US" smtClean="0"/>
               <a:pPr/>
-              <a:t>3/21/2018</a:t>
+              <a:t>4/14/2018</a:t>
             </a:fld>
             <a:endParaRPr lang="en-US"/>
           </a:p>
@@ -3186,7 +3268,7 @@
     </p:spTree>
     <p:extLst>
       <p:ext uri="{BB962C8B-B14F-4D97-AF65-F5344CB8AC3E}">
-        <p14:creationId xmlns:p14="http://schemas.microsoft.com/office/powerpoint/2010/main" xmlns="" val="2341400630"/>
+        <p14:creationId xmlns="" xmlns:p14="http://schemas.microsoft.com/office/powerpoint/2010/main" val="2341400630"/>
       </p:ext>
     </p:extLst>
   </p:cSld>
@@ -3547,7 +3629,7 @@
         </p:nvSpPr>
         <p:spPr>
           <a:xfrm>
-            <a:off x="2195689" y="3158440"/>
+            <a:off x="2195689" y="3040280"/>
             <a:ext cx="1323049" cy="346760"/>
           </a:xfrm>
           <a:prstGeom prst="rect">
@@ -3625,8 +3707,8 @@
         </p:nvSpPr>
         <p:spPr>
           <a:xfrm rot="16200000">
-            <a:off x="1002472" y="2868687"/>
-            <a:ext cx="1093635" cy="346760"/>
+            <a:off x="739514" y="3013484"/>
+            <a:ext cx="1619551" cy="346760"/>
           </a:xfrm>
           <a:prstGeom prst="rect">
             <a:avLst/>
@@ -3820,7 +3902,7 @@
         </p:nvCxnSpPr>
         <p:spPr>
           <a:xfrm>
-            <a:off x="1974879" y="3326536"/>
+            <a:off x="1974879" y="3208376"/>
             <a:ext cx="220810" cy="5284"/>
           </a:xfrm>
           <a:prstGeom prst="straightConnector1">
@@ -3946,7 +4028,7 @@
         </p:nvSpPr>
         <p:spPr>
           <a:xfrm>
-            <a:off x="1738831" y="3239846"/>
+            <a:off x="1738831" y="3121686"/>
             <a:ext cx="236048" cy="173380"/>
           </a:xfrm>
           <a:prstGeom prst="flowChartDecision">
@@ -4000,7 +4082,7 @@
         </p:nvCxnSpPr>
         <p:spPr>
           <a:xfrm flipV="1">
-            <a:off x="3716550" y="3331820"/>
+            <a:off x="3716550" y="3213660"/>
             <a:ext cx="223324" cy="1"/>
           </a:xfrm>
           <a:prstGeom prst="bentConnector3">
@@ -4043,7 +4125,7 @@
         </p:nvSpPr>
         <p:spPr>
           <a:xfrm rot="5400000" flipV="1">
-            <a:off x="3493536" y="3244059"/>
+            <a:off x="3493536" y="3125899"/>
             <a:ext cx="270504" cy="175523"/>
           </a:xfrm>
           <a:prstGeom prst="triangle">
@@ -4101,7 +4183,7 @@
         </p:nvCxnSpPr>
         <p:spPr>
           <a:xfrm>
-            <a:off x="5109709" y="3331820"/>
+            <a:off x="5109709" y="3213660"/>
             <a:ext cx="228600" cy="1970"/>
           </a:xfrm>
           <a:prstGeom prst="bentConnector3">
@@ -4144,7 +4226,7 @@
         </p:nvSpPr>
         <p:spPr>
           <a:xfrm>
-            <a:off x="3939874" y="3158440"/>
+            <a:off x="3939874" y="3040280"/>
             <a:ext cx="1169835" cy="346760"/>
           </a:xfrm>
           <a:prstGeom prst="rect">
@@ -4173,7 +4255,7 @@
           <a:p>
             <a:pPr algn="ctr"/>
             <a:r>
-              <a:rPr lang="en-US" sz="1050" b="1" dirty="0" err="1" smtClean="0">
+              <a:rPr lang="en-US" sz="1050" b="1" dirty="0" smtClean="0">
                 <a:solidFill>
                   <a:schemeClr val="accent6">
                     <a:lumMod val="75000"/>
@@ -4181,16 +4263,6 @@
                 </a:solidFill>
               </a:rPr>
               <a:t>XmlAddressBook</a:t>
-            </a:r>
-            <a:r>
-              <a:rPr lang="en-US" sz="1050" b="1" dirty="0" smtClean="0">
-                <a:solidFill>
-                  <a:schemeClr val="accent6">
-                    <a:lumMod val="75000"/>
-                  </a:schemeClr>
-                </a:solidFill>
-              </a:rPr>
-              <a:t/>
             </a:r>
             <a:br>
               <a:rPr lang="en-US" sz="1050" b="1" dirty="0" smtClean="0">
@@ -4229,7 +4301,7 @@
         </p:nvSpPr>
         <p:spPr>
           <a:xfrm>
-            <a:off x="2192452" y="2558040"/>
+            <a:off x="2192452" y="2439880"/>
             <a:ext cx="1323049" cy="346760"/>
           </a:xfrm>
           <a:prstGeom prst="rect">
@@ -4310,7 +4382,7 @@
         </p:nvCxnSpPr>
         <p:spPr>
           <a:xfrm>
-            <a:off x="1971642" y="2726136"/>
+            <a:off x="1971642" y="2607976"/>
             <a:ext cx="220810" cy="5284"/>
           </a:xfrm>
           <a:prstGeom prst="straightConnector1">
@@ -4350,7 +4422,7 @@
         </p:nvSpPr>
         <p:spPr>
           <a:xfrm>
-            <a:off x="1735594" y="2639446"/>
+            <a:off x="1735594" y="2521286"/>
             <a:ext cx="236048" cy="173380"/>
           </a:xfrm>
           <a:prstGeom prst="flowChartDecision">
@@ -4404,7 +4476,7 @@
         </p:nvCxnSpPr>
         <p:spPr>
           <a:xfrm flipV="1">
-            <a:off x="3713313" y="2731420"/>
+            <a:off x="3713313" y="2613260"/>
             <a:ext cx="223324" cy="1"/>
           </a:xfrm>
           <a:prstGeom prst="bentConnector3">
@@ -4447,7 +4519,7 @@
         </p:nvSpPr>
         <p:spPr>
           <a:xfrm rot="5400000" flipV="1">
-            <a:off x="3490299" y="2643659"/>
+            <a:off x="3490299" y="2525499"/>
             <a:ext cx="270504" cy="175523"/>
           </a:xfrm>
           <a:prstGeom prst="triangle">
@@ -4502,7 +4574,7 @@
         </p:nvSpPr>
         <p:spPr>
           <a:xfrm>
-            <a:off x="3936637" y="2558040"/>
+            <a:off x="3936637" y="2439880"/>
             <a:ext cx="1093635" cy="346760"/>
           </a:xfrm>
           <a:prstGeom prst="rect">
@@ -4588,7 +4660,7 @@
         </p:nvSpPr>
         <p:spPr>
           <a:xfrm>
-            <a:off x="5338309" y="3160410"/>
+            <a:off x="5338309" y="3042250"/>
             <a:ext cx="1200707" cy="346760"/>
           </a:xfrm>
           <a:prstGeom prst="rect">
@@ -4617,7 +4689,7 @@
           <a:p>
             <a:pPr algn="ctr"/>
             <a:r>
-              <a:rPr lang="en-US" sz="1050" b="1" dirty="0" err="1" smtClean="0">
+              <a:rPr lang="en-US" sz="1050" b="1" dirty="0" smtClean="0">
                 <a:solidFill>
                   <a:schemeClr val="accent6">
                     <a:lumMod val="75000"/>
@@ -4625,16 +4697,6 @@
                 </a:solidFill>
               </a:rPr>
               <a:t>XmlSerializable</a:t>
-            </a:r>
-            <a:r>
-              <a:rPr lang="en-US" sz="1050" b="1" dirty="0" smtClean="0">
-                <a:solidFill>
-                  <a:schemeClr val="accent6">
-                    <a:lumMod val="75000"/>
-                  </a:schemeClr>
-                </a:solidFill>
-              </a:rPr>
-              <a:t/>
             </a:r>
             <a:br>
               <a:rPr lang="en-US" sz="1050" b="1" dirty="0" smtClean="0">
@@ -4646,7 +4708,7 @@
               </a:rPr>
             </a:br>
             <a:r>
-              <a:rPr lang="en-US" sz="1050" b="1" dirty="0" err="1" smtClean="0">
+              <a:rPr lang="en-US" sz="1050" b="1" dirty="0" smtClean="0">
                 <a:solidFill>
                   <a:schemeClr val="accent6">
                     <a:lumMod val="75000"/>
@@ -4673,7 +4735,7 @@
         </p:nvSpPr>
         <p:spPr>
           <a:xfrm>
-            <a:off x="6934246" y="2477656"/>
+            <a:off x="6934246" y="2359496"/>
             <a:ext cx="1676353" cy="346760"/>
           </a:xfrm>
           <a:prstGeom prst="rect">
@@ -4702,7 +4764,7 @@
           <a:p>
             <a:pPr algn="ctr"/>
             <a:r>
-              <a:rPr lang="en-US" sz="1050" b="1" dirty="0" err="1" smtClean="0">
+              <a:rPr lang="en-US" sz="1050" b="1" dirty="0" smtClean="0">
                 <a:solidFill>
                   <a:schemeClr val="accent6">
                     <a:lumMod val="75000"/>
@@ -4729,7 +4791,7 @@
         </p:nvSpPr>
         <p:spPr>
           <a:xfrm>
-            <a:off x="6934246" y="3159624"/>
+            <a:off x="6934246" y="3041464"/>
             <a:ext cx="1676353" cy="346760"/>
           </a:xfrm>
           <a:prstGeom prst="rect">
@@ -4758,7 +4820,7 @@
           <a:p>
             <a:pPr algn="ctr"/>
             <a:r>
-              <a:rPr lang="en-US" sz="1050" b="1" dirty="0" err="1" smtClean="0">
+              <a:rPr lang="en-US" sz="1050" b="1" dirty="0" smtClean="0">
                 <a:solidFill>
                   <a:schemeClr val="accent6">
                     <a:lumMod val="75000"/>
@@ -4788,7 +4850,7 @@
         </p:nvCxnSpPr>
         <p:spPr>
           <a:xfrm flipV="1">
-            <a:off x="6539016" y="3333004"/>
+            <a:off x="6539016" y="3214844"/>
             <a:ext cx="395230" cy="786"/>
           </a:xfrm>
           <a:prstGeom prst="bentConnector3">
@@ -4820,16 +4882,16 @@
       </p:cxnSp>
       <p:cxnSp>
         <p:nvCxnSpPr>
-          <p:cNvPr id="27" name="Straight Connector 26"/>
+          <p:cNvPr id="29" name="Straight Arrow Connector 28"/>
           <p:cNvCxnSpPr/>
           <p:nvPr/>
         </p:nvCxnSpPr>
         <p:spPr>
           <a:xfrm>
-            <a:off x="5943600" y="3505200"/>
-            <a:ext cx="0" cy="360000"/>
-          </a:xfrm>
-          <a:prstGeom prst="line">
+            <a:off x="5943600" y="3768040"/>
+            <a:ext cx="990600" cy="0"/>
+          </a:xfrm>
+          <a:prstGeom prst="straightConnector1">
             <a:avLst/>
           </a:prstGeom>
           <a:ln w="19050">
@@ -4837,6 +4899,7 @@
               <a:srgbClr val="F69240"/>
             </a:solidFill>
             <a:prstDash val="sysDot"/>
+            <a:tailEnd type="arrow"/>
           </a:ln>
         </p:spPr>
         <p:style>
@@ -4854,43 +4917,6 @@
           </a:fontRef>
         </p:style>
       </p:cxnSp>
-      <p:cxnSp>
-        <p:nvCxnSpPr>
-          <p:cNvPr id="29" name="Straight Arrow Connector 28"/>
-          <p:cNvCxnSpPr/>
-          <p:nvPr/>
-        </p:nvCxnSpPr>
-        <p:spPr>
-          <a:xfrm>
-            <a:off x="5943600" y="3886200"/>
-            <a:ext cx="990600" cy="0"/>
-          </a:xfrm>
-          <a:prstGeom prst="straightConnector1">
-            <a:avLst/>
-          </a:prstGeom>
-          <a:ln w="19050">
-            <a:solidFill>
-              <a:srgbClr val="F69240"/>
-            </a:solidFill>
-            <a:prstDash val="sysDot"/>
-            <a:tailEnd type="arrow"/>
-          </a:ln>
-        </p:spPr>
-        <p:style>
-          <a:lnRef idx="1">
-            <a:schemeClr val="accent1"/>
-          </a:lnRef>
-          <a:fillRef idx="0">
-            <a:schemeClr val="accent1"/>
-          </a:fillRef>
-          <a:effectRef idx="0">
-            <a:schemeClr val="accent1"/>
-          </a:effectRef>
-          <a:fontRef idx="minor">
-            <a:schemeClr val="tx1"/>
-          </a:fontRef>
-        </p:style>
-      </p:cxnSp>
       <p:sp>
         <p:nvSpPr>
           <p:cNvPr id="30" name="Rectangle 8"/>
@@ -4899,7 +4925,7 @@
         </p:nvSpPr>
         <p:spPr>
           <a:xfrm>
-            <a:off x="6934200" y="3691840"/>
+            <a:off x="6934200" y="3573680"/>
             <a:ext cx="1676400" cy="346760"/>
           </a:xfrm>
           <a:prstGeom prst="rect">
@@ -4928,7 +4954,7 @@
           <a:p>
             <a:pPr algn="ctr"/>
             <a:r>
-              <a:rPr lang="en-US" sz="1050" b="1" dirty="0" err="1" smtClean="0">
+              <a:rPr lang="en-US" sz="1050" b="1" dirty="0" smtClean="0">
                 <a:solidFill>
                   <a:schemeClr val="accent6">
                     <a:lumMod val="75000"/>
@@ -4955,7 +4981,7 @@
         </p:nvSpPr>
         <p:spPr>
           <a:xfrm>
-            <a:off x="6934200" y="4343400"/>
+            <a:off x="6934200" y="4225240"/>
             <a:ext cx="1676400" cy="346760"/>
           </a:xfrm>
           <a:prstGeom prst="rect">
@@ -4984,7 +5010,7 @@
           <a:p>
             <a:pPr algn="ctr"/>
             <a:r>
-              <a:rPr lang="en-US" sz="1050" b="1" dirty="0" err="1" smtClean="0">
+              <a:rPr lang="en-US" sz="1050" b="1" dirty="0" smtClean="0">
                 <a:solidFill>
                   <a:schemeClr val="accent6">
                     <a:lumMod val="75000"/>
@@ -5011,7 +5037,7 @@
         </p:nvCxnSpPr>
         <p:spPr>
           <a:xfrm>
-            <a:off x="7772400" y="4038600"/>
+            <a:off x="7772400" y="3920440"/>
             <a:ext cx="0" cy="304800"/>
           </a:xfrm>
           <a:prstGeom prst="straightConnector1">
@@ -5048,7 +5074,7 @@
         </p:nvCxnSpPr>
         <p:spPr>
           <a:xfrm flipH="1" flipV="1">
-            <a:off x="7772377" y="2819400"/>
+            <a:off x="7772377" y="2701240"/>
             <a:ext cx="23" cy="340224"/>
           </a:xfrm>
           <a:prstGeom prst="straightConnector1">
@@ -5077,10 +5103,488 @@
           </a:fontRef>
         </p:style>
       </p:cxnSp>
+      <p:cxnSp>
+        <p:nvCxnSpPr>
+          <p:cNvPr id="37" name="Elbow Connector 122"/>
+          <p:cNvCxnSpPr>
+            <a:stCxn id="38" idx="3"/>
+            <a:endCxn id="39" idx="1"/>
+          </p:cNvCxnSpPr>
+          <p:nvPr/>
+        </p:nvCxnSpPr>
+        <p:spPr>
+          <a:xfrm>
+            <a:off x="5109663" y="3823260"/>
+            <a:ext cx="228600" cy="1970"/>
+          </a:xfrm>
+          <a:prstGeom prst="bentConnector3">
+            <a:avLst>
+              <a:gd name="adj1" fmla="val 50000"/>
+            </a:avLst>
+          </a:prstGeom>
+          <a:ln w="19050">
+            <a:solidFill>
+              <a:schemeClr val="accent6">
+                <a:lumMod val="75000"/>
+              </a:schemeClr>
+            </a:solidFill>
+            <a:prstDash val="sysDot"/>
+            <a:headEnd type="none" w="med" len="med"/>
+            <a:tailEnd type="arrow" w="med" len="med"/>
+          </a:ln>
+          <a:effectLst/>
+        </p:spPr>
+        <p:style>
+          <a:lnRef idx="1">
+            <a:schemeClr val="accent2"/>
+          </a:lnRef>
+          <a:fillRef idx="2">
+            <a:schemeClr val="accent2"/>
+          </a:fillRef>
+          <a:effectRef idx="1">
+            <a:schemeClr val="accent2"/>
+          </a:effectRef>
+          <a:fontRef idx="minor">
+            <a:schemeClr val="dk1"/>
+          </a:fontRef>
+        </p:style>
+      </p:cxnSp>
+      <p:sp>
+        <p:nvSpPr>
+          <p:cNvPr id="38" name="Rectangle 8"/>
+          <p:cNvSpPr/>
+          <p:nvPr/>
+        </p:nvSpPr>
+        <p:spPr>
+          <a:xfrm>
+            <a:off x="3939828" y="3649880"/>
+            <a:ext cx="1169835" cy="346760"/>
+          </a:xfrm>
+          <a:prstGeom prst="rect">
+            <a:avLst/>
+          </a:prstGeom>
+          <a:ln w="19050"/>
+          <a:effectLst/>
+        </p:spPr>
+        <p:style>
+          <a:lnRef idx="1">
+            <a:schemeClr val="accent6"/>
+          </a:lnRef>
+          <a:fillRef idx="2">
+            <a:schemeClr val="accent6"/>
+          </a:fillRef>
+          <a:effectRef idx="1">
+            <a:schemeClr val="accent6"/>
+          </a:effectRef>
+          <a:fontRef idx="minor">
+            <a:schemeClr val="dk1"/>
+          </a:fontRef>
+        </p:style>
+        <p:txBody>
+          <a:bodyPr rtlCol="0" anchor="ctr"/>
+          <a:lstStyle/>
+          <a:p>
+            <a:pPr algn="ctr"/>
+            <a:r>
+              <a:rPr lang="en-US" sz="1050" b="1" dirty="0" smtClean="0">
+                <a:solidFill>
+                  <a:schemeClr val="accent6">
+                    <a:lumMod val="75000"/>
+                  </a:schemeClr>
+                </a:solidFill>
+              </a:rPr>
+              <a:t>XmlTaskBook</a:t>
+            </a:r>
+            <a:r>
+              <a:rPr lang="en-US" sz="1050" b="1" dirty="0" smtClean="0">
+                <a:solidFill>
+                  <a:schemeClr val="accent6">
+                    <a:lumMod val="75000"/>
+                  </a:schemeClr>
+                </a:solidFill>
+              </a:rPr>
+              <a:t/>
+            </a:r>
+            <a:br>
+              <a:rPr lang="en-US" sz="1050" b="1" dirty="0" smtClean="0">
+                <a:solidFill>
+                  <a:schemeClr val="accent6">
+                    <a:lumMod val="75000"/>
+                  </a:schemeClr>
+                </a:solidFill>
+              </a:rPr>
+            </a:br>
+            <a:r>
+              <a:rPr lang="en-US" sz="1050" b="1" dirty="0" smtClean="0">
+                <a:solidFill>
+                  <a:schemeClr val="accent6">
+                    <a:lumMod val="75000"/>
+                  </a:schemeClr>
+                </a:solidFill>
+              </a:rPr>
+              <a:t>Storage</a:t>
+            </a:r>
+            <a:endParaRPr lang="en-SG" sz="1050" b="1" dirty="0">
+              <a:solidFill>
+                <a:schemeClr val="accent6">
+                  <a:lumMod val="75000"/>
+                </a:schemeClr>
+              </a:solidFill>
+            </a:endParaRPr>
+          </a:p>
+        </p:txBody>
+      </p:sp>
+      <p:sp>
+        <p:nvSpPr>
+          <p:cNvPr id="39" name="Rectangle 8"/>
+          <p:cNvSpPr/>
+          <p:nvPr/>
+        </p:nvSpPr>
+        <p:spPr>
+          <a:xfrm>
+            <a:off x="5338263" y="3651850"/>
+            <a:ext cx="1200707" cy="346760"/>
+          </a:xfrm>
+          <a:prstGeom prst="rect">
+            <a:avLst/>
+          </a:prstGeom>
+          <a:ln w="19050"/>
+          <a:effectLst/>
+        </p:spPr>
+        <p:style>
+          <a:lnRef idx="1">
+            <a:schemeClr val="accent6"/>
+          </a:lnRef>
+          <a:fillRef idx="2">
+            <a:schemeClr val="accent6"/>
+          </a:fillRef>
+          <a:effectRef idx="1">
+            <a:schemeClr val="accent6"/>
+          </a:effectRef>
+          <a:fontRef idx="minor">
+            <a:schemeClr val="dk1"/>
+          </a:fontRef>
+        </p:style>
+        <p:txBody>
+          <a:bodyPr rtlCol="0" anchor="ctr"/>
+          <a:lstStyle/>
+          <a:p>
+            <a:pPr algn="ctr"/>
+            <a:r>
+              <a:rPr lang="en-US" sz="1050" b="1" dirty="0" smtClean="0">
+                <a:solidFill>
+                  <a:schemeClr val="accent6">
+                    <a:lumMod val="75000"/>
+                  </a:schemeClr>
+                </a:solidFill>
+              </a:rPr>
+              <a:t>XmlSerializable</a:t>
+            </a:r>
+            <a:br>
+              <a:rPr lang="en-US" sz="1050" b="1" dirty="0" smtClean="0">
+                <a:solidFill>
+                  <a:schemeClr val="accent6">
+                    <a:lumMod val="75000"/>
+                  </a:schemeClr>
+                </a:solidFill>
+              </a:rPr>
+            </a:br>
+            <a:r>
+              <a:rPr lang="en-US" sz="1050" b="1" dirty="0" smtClean="0">
+                <a:solidFill>
+                  <a:schemeClr val="accent6">
+                    <a:lumMod val="75000"/>
+                  </a:schemeClr>
+                </a:solidFill>
+              </a:rPr>
+              <a:t>TaskBook</a:t>
+            </a:r>
+            <a:endParaRPr lang="en-SG" sz="1050" b="1" dirty="0">
+              <a:solidFill>
+                <a:schemeClr val="accent6">
+                  <a:lumMod val="75000"/>
+                </a:schemeClr>
+              </a:solidFill>
+            </a:endParaRPr>
+          </a:p>
+        </p:txBody>
+      </p:sp>
+      <p:sp>
+        <p:nvSpPr>
+          <p:cNvPr id="45" name="Rectangle 8"/>
+          <p:cNvSpPr/>
+          <p:nvPr/>
+        </p:nvSpPr>
+        <p:spPr>
+          <a:xfrm>
+            <a:off x="2182151" y="3649880"/>
+            <a:ext cx="1323049" cy="346760"/>
+          </a:xfrm>
+          <a:prstGeom prst="rect">
+            <a:avLst/>
+          </a:prstGeom>
+          <a:solidFill>
+            <a:schemeClr val="accent6">
+              <a:lumMod val="75000"/>
+            </a:schemeClr>
+          </a:solidFill>
+          <a:ln w="19050">
+            <a:solidFill>
+              <a:schemeClr val="accent6">
+                <a:lumMod val="75000"/>
+              </a:schemeClr>
+            </a:solidFill>
+          </a:ln>
+          <a:effectLst/>
+        </p:spPr>
+        <p:style>
+          <a:lnRef idx="1">
+            <a:schemeClr val="accent2"/>
+          </a:lnRef>
+          <a:fillRef idx="2">
+            <a:schemeClr val="accent2"/>
+          </a:fillRef>
+          <a:effectRef idx="1">
+            <a:schemeClr val="accent2"/>
+          </a:effectRef>
+          <a:fontRef idx="minor">
+            <a:schemeClr val="dk1"/>
+          </a:fontRef>
+        </p:style>
+        <p:txBody>
+          <a:bodyPr rtlCol="0" anchor="ctr"/>
+          <a:lstStyle/>
+          <a:p>
+            <a:pPr algn="ctr"/>
+            <a:r>
+              <a:rPr lang="en-US" sz="1050" dirty="0" smtClean="0">
+                <a:solidFill>
+                  <a:schemeClr val="bg1"/>
+                </a:solidFill>
+              </a:rPr>
+              <a:t>&lt;&lt;interface&gt;&gt;</a:t>
+            </a:r>
+            <a:br>
+              <a:rPr lang="en-US" sz="1050" dirty="0" smtClean="0">
+                <a:solidFill>
+                  <a:schemeClr val="bg1"/>
+                </a:solidFill>
+              </a:rPr>
+            </a:br>
+            <a:r>
+              <a:rPr lang="en-US" sz="1050" dirty="0" err="1" smtClean="0">
+                <a:solidFill>
+                  <a:schemeClr val="bg1"/>
+                </a:solidFill>
+              </a:rPr>
+              <a:t>TaskBookStorage</a:t>
+            </a:r>
+            <a:endParaRPr lang="en-SG" sz="1050" dirty="0">
+              <a:solidFill>
+                <a:schemeClr val="bg1"/>
+              </a:solidFill>
+            </a:endParaRPr>
+          </a:p>
+        </p:txBody>
+      </p:sp>
+      <p:cxnSp>
+        <p:nvCxnSpPr>
+          <p:cNvPr id="46" name="Straight Arrow Connector 45"/>
+          <p:cNvCxnSpPr>
+            <a:stCxn id="47" idx="3"/>
+            <a:endCxn id="45" idx="1"/>
+          </p:cNvCxnSpPr>
+          <p:nvPr/>
+        </p:nvCxnSpPr>
+        <p:spPr>
+          <a:xfrm>
+            <a:off x="1961341" y="3817976"/>
+            <a:ext cx="220810" cy="5284"/>
+          </a:xfrm>
+          <a:prstGeom prst="straightConnector1">
+            <a:avLst/>
+          </a:prstGeom>
+          <a:ln w="19050">
+            <a:solidFill>
+              <a:schemeClr val="accent6">
+                <a:lumMod val="75000"/>
+              </a:schemeClr>
+            </a:solidFill>
+            <a:headEnd type="none" w="med" len="med"/>
+            <a:tailEnd type="arrow" w="med" len="med"/>
+          </a:ln>
+          <a:effectLst/>
+        </p:spPr>
+        <p:style>
+          <a:lnRef idx="1">
+            <a:schemeClr val="accent2"/>
+          </a:lnRef>
+          <a:fillRef idx="2">
+            <a:schemeClr val="accent2"/>
+          </a:fillRef>
+          <a:effectRef idx="1">
+            <a:schemeClr val="accent2"/>
+          </a:effectRef>
+          <a:fontRef idx="minor">
+            <a:schemeClr val="dk1"/>
+          </a:fontRef>
+        </p:style>
+      </p:cxnSp>
+      <p:sp>
+        <p:nvSpPr>
+          <p:cNvPr id="47" name="Flowchart: Decision 96"/>
+          <p:cNvSpPr/>
+          <p:nvPr/>
+        </p:nvSpPr>
+        <p:spPr>
+          <a:xfrm>
+            <a:off x="1725293" y="3731286"/>
+            <a:ext cx="236048" cy="173380"/>
+          </a:xfrm>
+          <a:prstGeom prst="flowChartDecision">
+            <a:avLst/>
+          </a:prstGeom>
+          <a:noFill/>
+          <a:ln w="19050">
+            <a:solidFill>
+              <a:schemeClr val="accent6">
+                <a:lumMod val="75000"/>
+              </a:schemeClr>
+            </a:solidFill>
+          </a:ln>
+          <a:effectLst/>
+        </p:spPr>
+        <p:style>
+          <a:lnRef idx="1">
+            <a:schemeClr val="accent2"/>
+          </a:lnRef>
+          <a:fillRef idx="2">
+            <a:schemeClr val="accent2"/>
+          </a:fillRef>
+          <a:effectRef idx="1">
+            <a:schemeClr val="accent2"/>
+          </a:effectRef>
+          <a:fontRef idx="minor">
+            <a:schemeClr val="dk1"/>
+          </a:fontRef>
+        </p:style>
+        <p:txBody>
+          <a:bodyPr rtlCol="0" anchor="ctr"/>
+          <a:lstStyle/>
+          <a:p>
+            <a:pPr algn="ctr"/>
+            <a:endParaRPr lang="en-US" sz="1050">
+              <a:solidFill>
+                <a:schemeClr val="bg1"/>
+              </a:solidFill>
+            </a:endParaRPr>
+          </a:p>
+        </p:txBody>
+      </p:sp>
+      <p:cxnSp>
+        <p:nvCxnSpPr>
+          <p:cNvPr id="48" name="Elbow Connector 63"/>
+          <p:cNvCxnSpPr>
+            <a:stCxn id="49" idx="3"/>
+          </p:cNvCxnSpPr>
+          <p:nvPr/>
+        </p:nvCxnSpPr>
+        <p:spPr>
+          <a:xfrm flipV="1">
+            <a:off x="3680724" y="3827147"/>
+            <a:ext cx="252000" cy="1"/>
+          </a:xfrm>
+          <a:prstGeom prst="bentConnector3">
+            <a:avLst>
+              <a:gd name="adj1" fmla="val 50000"/>
+            </a:avLst>
+          </a:prstGeom>
+          <a:ln w="19050">
+            <a:solidFill>
+              <a:schemeClr val="accent6">
+                <a:lumMod val="75000"/>
+              </a:schemeClr>
+            </a:solidFill>
+            <a:prstDash val="sysDot"/>
+            <a:headEnd type="none" w="med" len="med"/>
+            <a:tailEnd type="none" w="med" len="med"/>
+          </a:ln>
+          <a:effectLst/>
+        </p:spPr>
+        <p:style>
+          <a:lnRef idx="1">
+            <a:schemeClr val="accent2"/>
+          </a:lnRef>
+          <a:fillRef idx="2">
+            <a:schemeClr val="accent2"/>
+          </a:fillRef>
+          <a:effectRef idx="1">
+            <a:schemeClr val="accent2"/>
+          </a:effectRef>
+          <a:fontRef idx="minor">
+            <a:schemeClr val="dk1"/>
+          </a:fontRef>
+        </p:style>
+      </p:cxnSp>
+      <p:sp>
+        <p:nvSpPr>
+          <p:cNvPr id="49" name="Isosceles Triangle 102"/>
+          <p:cNvSpPr/>
+          <p:nvPr/>
+        </p:nvSpPr>
+        <p:spPr>
+          <a:xfrm rot="5400000" flipV="1">
+            <a:off x="3457710" y="3739386"/>
+            <a:ext cx="270504" cy="175523"/>
+          </a:xfrm>
+          <a:prstGeom prst="triangle">
+            <a:avLst/>
+          </a:prstGeom>
+          <a:solidFill>
+            <a:schemeClr val="accent6">
+              <a:lumMod val="75000"/>
+            </a:schemeClr>
+          </a:solidFill>
+          <a:ln w="19050">
+            <a:solidFill>
+              <a:schemeClr val="accent6">
+                <a:lumMod val="75000"/>
+              </a:schemeClr>
+            </a:solidFill>
+          </a:ln>
+          <a:effectLst/>
+        </p:spPr>
+        <p:style>
+          <a:lnRef idx="1">
+            <a:schemeClr val="accent2"/>
+          </a:lnRef>
+          <a:fillRef idx="2">
+            <a:schemeClr val="accent2"/>
+          </a:fillRef>
+          <a:effectRef idx="1">
+            <a:schemeClr val="accent2"/>
+          </a:effectRef>
+          <a:fontRef idx="minor">
+            <a:schemeClr val="dk1"/>
+          </a:fontRef>
+        </p:style>
+        <p:txBody>
+          <a:bodyPr rtlCol="0" anchor="ctr"/>
+          <a:lstStyle/>
+          <a:p>
+            <a:pPr algn="ctr"/>
+            <a:endParaRPr lang="en-SG" sz="1050">
+              <a:solidFill>
+                <a:schemeClr val="bg1"/>
+              </a:solidFill>
+            </a:endParaRPr>
+          </a:p>
+        </p:txBody>
+      </p:sp>
     </p:spTree>
     <p:extLst>
       <p:ext uri="{BB962C8B-B14F-4D97-AF65-F5344CB8AC3E}">
-        <p14:creationId xmlns:p14="http://schemas.microsoft.com/office/powerpoint/2010/main" xmlns="" val="1478832369"/>
+        <p14:creationId xmlns="" xmlns:p14="http://schemas.microsoft.com/office/powerpoint/2010/main" val="1478832369"/>
       </p:ext>
     </p:extLst>
   </p:cSld>
